--- a/Tools/Tools.pptx
+++ b/Tools/Tools.pptx
@@ -3771,8 +3771,8 @@
         </p:blipFill>
         <p:spPr>
           <a:xfrm>
-            <a:off x="823537" y="2447669"/>
-            <a:ext cx="5915776" cy="3062543"/>
+            <a:off x="628650" y="1690688"/>
+            <a:ext cx="8383376" cy="4339997"/>
           </a:xfrm>
           <a:prstGeom prst="rect">
             <a:avLst/>
@@ -3795,8 +3795,8 @@
         </p:blipFill>
         <p:spPr>
           <a:xfrm>
-            <a:off x="3781425" y="1394511"/>
-            <a:ext cx="5362575" cy="2695575"/>
+            <a:off x="895319" y="1394511"/>
+            <a:ext cx="8248682" cy="4146318"/>
           </a:xfrm>
           <a:prstGeom prst="rect">
             <a:avLst/>
@@ -6887,7 +6887,11 @@
             </a:pPr>
             <a:r>
               <a:rPr lang="en-US" sz="1800" dirty="0" smtClean="0"/>
-              <a:t>b50... 1e9... </a:t>
+              <a:t>000</a:t>
+            </a:r>
+            <a:r>
+              <a:rPr lang="en-US" sz="1800" dirty="0" smtClean="0"/>
+              <a:t>... 1e9... </a:t>
             </a:r>
             <a:r>
               <a:rPr lang="en-US" sz="1800" dirty="0"/>
@@ -6899,12 +6903,13 @@
             </a:r>
             <a:r>
               <a:rPr lang="en-US" sz="1800" dirty="0"/>
-              <a:t>1405504075 +0600	commit: possibility to </a:t>
+              <a:t>1405504075 +0600	</a:t>
             </a:r>
             <a:r>
               <a:rPr lang="en-US" sz="1800" dirty="0" smtClean="0"/>
-              <a:t>...</a:t>
-            </a:r>
+              <a:t>clone</a:t>
+            </a:r>
+            <a:endParaRPr lang="en-US" sz="1800" dirty="0" smtClean="0"/>
           </a:p>
           <a:p>
             <a:pPr marL="0" indent="0">
